--- a/slides/class.pptx
+++ b/slides/class.pptx
@@ -299,7 +299,7 @@
           <a:p>
             <a:fld id="{BD5D2D11-9C5C-46F4-9E20-DD1E208138BC}" type="datetimeFigureOut">
               <a:rPr lang="zh-TW" altLang="en-US" smtClean="0"/>
-              <a:t>2024/3/24</a:t>
+              <a:t>2024/3/31</a:t>
             </a:fld>
             <a:endParaRPr lang="zh-TW" altLang="en-US"/>
           </a:p>
@@ -497,7 +497,7 @@
           <a:p>
             <a:fld id="{BD5D2D11-9C5C-46F4-9E20-DD1E208138BC}" type="datetimeFigureOut">
               <a:rPr lang="zh-TW" altLang="en-US" smtClean="0"/>
-              <a:t>2024/3/24</a:t>
+              <a:t>2024/3/31</a:t>
             </a:fld>
             <a:endParaRPr lang="zh-TW" altLang="en-US"/>
           </a:p>
@@ -705,7 +705,7 @@
           <a:p>
             <a:fld id="{BD5D2D11-9C5C-46F4-9E20-DD1E208138BC}" type="datetimeFigureOut">
               <a:rPr lang="zh-TW" altLang="en-US" smtClean="0"/>
-              <a:t>2024/3/24</a:t>
+              <a:t>2024/3/31</a:t>
             </a:fld>
             <a:endParaRPr lang="zh-TW" altLang="en-US"/>
           </a:p>
@@ -903,7 +903,7 @@
           <a:p>
             <a:fld id="{BD5D2D11-9C5C-46F4-9E20-DD1E208138BC}" type="datetimeFigureOut">
               <a:rPr lang="zh-TW" altLang="en-US" smtClean="0"/>
-              <a:t>2024/3/24</a:t>
+              <a:t>2024/3/31</a:t>
             </a:fld>
             <a:endParaRPr lang="zh-TW" altLang="en-US"/>
           </a:p>
@@ -1178,7 +1178,7 @@
           <a:p>
             <a:fld id="{BD5D2D11-9C5C-46F4-9E20-DD1E208138BC}" type="datetimeFigureOut">
               <a:rPr lang="zh-TW" altLang="en-US" smtClean="0"/>
-              <a:t>2024/3/24</a:t>
+              <a:t>2024/3/31</a:t>
             </a:fld>
             <a:endParaRPr lang="zh-TW" altLang="en-US"/>
           </a:p>
@@ -1443,7 +1443,7 @@
           <a:p>
             <a:fld id="{BD5D2D11-9C5C-46F4-9E20-DD1E208138BC}" type="datetimeFigureOut">
               <a:rPr lang="zh-TW" altLang="en-US" smtClean="0"/>
-              <a:t>2024/3/24</a:t>
+              <a:t>2024/3/31</a:t>
             </a:fld>
             <a:endParaRPr lang="zh-TW" altLang="en-US"/>
           </a:p>
@@ -1855,7 +1855,7 @@
           <a:p>
             <a:fld id="{BD5D2D11-9C5C-46F4-9E20-DD1E208138BC}" type="datetimeFigureOut">
               <a:rPr lang="zh-TW" altLang="en-US" smtClean="0"/>
-              <a:t>2024/3/24</a:t>
+              <a:t>2024/3/31</a:t>
             </a:fld>
             <a:endParaRPr lang="zh-TW" altLang="en-US"/>
           </a:p>
@@ -1996,7 +1996,7 @@
           <a:p>
             <a:fld id="{BD5D2D11-9C5C-46F4-9E20-DD1E208138BC}" type="datetimeFigureOut">
               <a:rPr lang="zh-TW" altLang="en-US" smtClean="0"/>
-              <a:t>2024/3/24</a:t>
+              <a:t>2024/3/31</a:t>
             </a:fld>
             <a:endParaRPr lang="zh-TW" altLang="en-US"/>
           </a:p>
@@ -2109,7 +2109,7 @@
           <a:p>
             <a:fld id="{BD5D2D11-9C5C-46F4-9E20-DD1E208138BC}" type="datetimeFigureOut">
               <a:rPr lang="zh-TW" altLang="en-US" smtClean="0"/>
-              <a:t>2024/3/24</a:t>
+              <a:t>2024/3/31</a:t>
             </a:fld>
             <a:endParaRPr lang="zh-TW" altLang="en-US"/>
           </a:p>
@@ -2420,7 +2420,7 @@
           <a:p>
             <a:fld id="{BD5D2D11-9C5C-46F4-9E20-DD1E208138BC}" type="datetimeFigureOut">
               <a:rPr lang="zh-TW" altLang="en-US" smtClean="0"/>
-              <a:t>2024/3/24</a:t>
+              <a:t>2024/3/31</a:t>
             </a:fld>
             <a:endParaRPr lang="zh-TW" altLang="en-US"/>
           </a:p>
@@ -2708,7 +2708,7 @@
           <a:p>
             <a:fld id="{BD5D2D11-9C5C-46F4-9E20-DD1E208138BC}" type="datetimeFigureOut">
               <a:rPr lang="zh-TW" altLang="en-US" smtClean="0"/>
-              <a:t>2024/3/24</a:t>
+              <a:t>2024/3/31</a:t>
             </a:fld>
             <a:endParaRPr lang="zh-TW" altLang="en-US"/>
           </a:p>
@@ -2949,7 +2949,7 @@
           <a:p>
             <a:fld id="{BD5D2D11-9C5C-46F4-9E20-DD1E208138BC}" type="datetimeFigureOut">
               <a:rPr lang="zh-TW" altLang="en-US" smtClean="0"/>
-              <a:t>2024/3/24</a:t>
+              <a:t>2024/3/31</a:t>
             </a:fld>
             <a:endParaRPr lang="zh-TW" altLang="en-US"/>
           </a:p>
@@ -3678,7 +3678,7 @@
                 <a:latin typeface="Consolas" panose="020B0609020204030204" pitchFamily="49" charset="0"/>
                 <a:ea typeface="微軟正黑體" panose="020B0604030504040204" pitchFamily="34" charset="-120"/>
               </a:rPr>
-              <a:t>__(s): # </a:t>
+              <a:t>__(self): # </a:t>
             </a:r>
             <a:r>
               <a:rPr lang="zh-TW" altLang="en-US" sz="2400" b="0" dirty="0">
@@ -3728,7 +3728,7 @@
                 <a:latin typeface="Consolas" panose="020B0609020204030204" pitchFamily="49" charset="0"/>
                 <a:ea typeface="微軟正黑體" panose="020B0604030504040204" pitchFamily="34" charset="-120"/>
               </a:rPr>
-              <a:t>print(s)        </a:t>
+              <a:t>print(self)        </a:t>
             </a:r>
           </a:p>
           <a:p>
@@ -3755,7 +3755,7 @@
                 <a:latin typeface="Consolas" panose="020B0609020204030204" pitchFamily="49" charset="0"/>
                 <a:ea typeface="微軟正黑體" panose="020B0604030504040204" pitchFamily="34" charset="-120"/>
               </a:rPr>
-              <a:t>print(type(s))        </a:t>
+              <a:t>print(type(self))        </a:t>
             </a:r>
           </a:p>
           <a:p>
@@ -3782,7 +3782,7 @@
                 <a:latin typeface="Consolas" panose="020B0609020204030204" pitchFamily="49" charset="0"/>
                 <a:ea typeface="微軟正黑體" panose="020B0604030504040204" pitchFamily="34" charset="-120"/>
               </a:rPr>
-              <a:t>print(id(s))        </a:t>
+              <a:t>print(id(self))        </a:t>
             </a:r>
           </a:p>
           <a:p>
@@ -3864,30 +3864,75 @@
               <a:buChar char="•"/>
             </a:pPr>
             <a:r>
+              <a:rPr lang="en-US" altLang="zh-TW" sz="2400" dirty="0">
+                <a:latin typeface="Consolas" panose="020B0609020204030204" pitchFamily="49" charset="0"/>
+                <a:ea typeface="微軟正黑體" panose="020B0604030504040204" pitchFamily="34" charset="-120"/>
+              </a:rPr>
+              <a:t>self</a:t>
+            </a:r>
+            <a:r>
+              <a:rPr lang="en-US" altLang="zh-TW" sz="2400" dirty="0">
+                <a:latin typeface="微軟正黑體" panose="020B0604030504040204" pitchFamily="34" charset="-120"/>
+                <a:ea typeface="微軟正黑體" panose="020B0604030504040204" pitchFamily="34" charset="-120"/>
+              </a:rPr>
+              <a:t> </a:t>
+            </a:r>
+            <a:r>
               <a:rPr lang="zh-TW" altLang="en-US" sz="2400" dirty="0">
                 <a:latin typeface="微軟正黑體" panose="020B0604030504040204" pitchFamily="34" charset="-120"/>
                 <a:ea typeface="微軟正黑體" panose="020B0604030504040204" pitchFamily="34" charset="-120"/>
               </a:rPr>
-              <a:t>同前面，參數的名字不一定要叫 </a:t>
+              <a:t>是一個 </a:t>
             </a:r>
             <a:r>
               <a:rPr lang="en-US" altLang="zh-TW" sz="2400" dirty="0">
                 <a:latin typeface="Consolas" panose="020B0609020204030204" pitchFamily="49" charset="0"/>
                 <a:ea typeface="微軟正黑體" panose="020B0604030504040204" pitchFamily="34" charset="-120"/>
               </a:rPr>
-              <a:t>self </a:t>
+              <a:t>Food</a:t>
+            </a:r>
+            <a:r>
+              <a:rPr lang="en-US" altLang="zh-TW" sz="2400" dirty="0">
+                <a:latin typeface="微軟正黑體" panose="020B0604030504040204" pitchFamily="34" charset="-120"/>
+                <a:ea typeface="微軟正黑體" panose="020B0604030504040204" pitchFamily="34" charset="-120"/>
+              </a:rPr>
+              <a:t> </a:t>
             </a:r>
             <a:r>
               <a:rPr lang="zh-TW" altLang="en-US" sz="2400" dirty="0">
                 <a:latin typeface="微軟正黑體" panose="020B0604030504040204" pitchFamily="34" charset="-120"/>
                 <a:ea typeface="微軟正黑體" panose="020B0604030504040204" pitchFamily="34" charset="-120"/>
               </a:rPr>
-              <a:t>， 可以隨便你取</a:t>
-            </a:r>
-            <a:endParaRPr lang="en-US" altLang="zh-TW" sz="2400" dirty="0">
-              <a:latin typeface="微軟正黑體" panose="020B0604030504040204" pitchFamily="34" charset="-120"/>
-              <a:ea typeface="微軟正黑體" panose="020B0604030504040204" pitchFamily="34" charset="-120"/>
-            </a:endParaRPr>
+              <a:t>這個 </a:t>
+            </a:r>
+            <a:r>
+              <a:rPr lang="en-US" altLang="zh-TW" sz="2400" dirty="0">
+                <a:latin typeface="Consolas" panose="020B0609020204030204" pitchFamily="49" charset="0"/>
+                <a:ea typeface="微軟正黑體" panose="020B0604030504040204" pitchFamily="34" charset="-120"/>
+              </a:rPr>
+              <a:t>class</a:t>
+            </a:r>
+            <a:r>
+              <a:rPr lang="en-US" altLang="zh-TW" sz="2400" dirty="0">
+                <a:latin typeface="微軟正黑體" panose="020B0604030504040204" pitchFamily="34" charset="-120"/>
+                <a:ea typeface="微軟正黑體" panose="020B0604030504040204" pitchFamily="34" charset="-120"/>
+              </a:rPr>
+              <a:t> </a:t>
+            </a:r>
+            <a:r>
+              <a:rPr lang="zh-TW" altLang="en-US" sz="2400" dirty="0">
+                <a:latin typeface="微軟正黑體" panose="020B0604030504040204" pitchFamily="34" charset="-120"/>
+                <a:ea typeface="微軟正黑體" panose="020B0604030504040204" pitchFamily="34" charset="-120"/>
+              </a:rPr>
+              <a:t>的 </a:t>
+            </a:r>
+            <a:r>
+              <a:rPr lang="en-US" altLang="zh-TW" sz="2400" dirty="0">
+                <a:latin typeface="Consolas" panose="020B0609020204030204" pitchFamily="49" charset="0"/>
+                <a:ea typeface="微軟正黑體" panose="020B0604030504040204" pitchFamily="34" charset="-120"/>
+              </a:rPr>
+              <a:t>object</a:t>
+            </a:r>
           </a:p>
           <a:p>
             <a:pPr marL="285750" indent="-285750">
@@ -3898,11 +3943,18 @@
               <a:buChar char="•"/>
             </a:pPr>
             <a:r>
+              <a:rPr lang="zh-TW" altLang="en-US" sz="2400" dirty="0">
+                <a:latin typeface="微軟正黑體" panose="020B0604030504040204" pitchFamily="34" charset="-120"/>
+                <a:ea typeface="微軟正黑體" panose="020B0604030504040204" pitchFamily="34" charset="-120"/>
+              </a:rPr>
+              <a:t>透過 </a:t>
+            </a:r>
+            <a:r>
               <a:rPr lang="en-US" altLang="zh-TW" sz="2400" dirty="0">
                 <a:latin typeface="Consolas" panose="020B0609020204030204" pitchFamily="49" charset="0"/>
                 <a:ea typeface="微軟正黑體" panose="020B0604030504040204" pitchFamily="34" charset="-120"/>
               </a:rPr>
-              <a:t>s</a:t>
+              <a:t>id()</a:t>
             </a:r>
             <a:r>
               <a:rPr lang="en-US" altLang="zh-TW" sz="2400" dirty="0">
@@ -3916,100 +3968,14 @@
                 <a:latin typeface="微軟正黑體" panose="020B0604030504040204" pitchFamily="34" charset="-120"/>
                 <a:ea typeface="微軟正黑體" panose="020B0604030504040204" pitchFamily="34" charset="-120"/>
               </a:rPr>
-              <a:t>是一個 </a:t>
-            </a:r>
-            <a:r>
-              <a:rPr lang="en-US" altLang="zh-TW" sz="2400" dirty="0">
-                <a:latin typeface="Consolas" panose="020B0609020204030204" pitchFamily="49" charset="0"/>
-                <a:ea typeface="微軟正黑體" panose="020B0604030504040204" pitchFamily="34" charset="-120"/>
-              </a:rPr>
-              <a:t>Food</a:t>
+              <a:t>，我們可以確認 </a:t>
             </a:r>
             <a:r>
               <a:rPr lang="en-US" altLang="zh-TW" sz="2400" dirty="0">
                 <a:latin typeface="微軟正黑體" panose="020B0604030504040204" pitchFamily="34" charset="-120"/>
                 <a:ea typeface="微軟正黑體" panose="020B0604030504040204" pitchFamily="34" charset="-120"/>
               </a:rPr>
-              <a:t> </a:t>
-            </a:r>
-            <a:r>
-              <a:rPr lang="zh-TW" altLang="en-US" sz="2400" dirty="0">
-                <a:latin typeface="微軟正黑體" panose="020B0604030504040204" pitchFamily="34" charset="-120"/>
-                <a:ea typeface="微軟正黑體" panose="020B0604030504040204" pitchFamily="34" charset="-120"/>
-              </a:rPr>
-              <a:t>這個 </a:t>
-            </a:r>
-            <a:r>
-              <a:rPr lang="en-US" altLang="zh-TW" sz="2400" dirty="0">
-                <a:latin typeface="Consolas" panose="020B0609020204030204" pitchFamily="49" charset="0"/>
-                <a:ea typeface="微軟正黑體" panose="020B0604030504040204" pitchFamily="34" charset="-120"/>
-              </a:rPr>
-              <a:t>class</a:t>
-            </a:r>
-            <a:r>
-              <a:rPr lang="en-US" altLang="zh-TW" sz="2400" dirty="0">
-                <a:latin typeface="微軟正黑體" panose="020B0604030504040204" pitchFamily="34" charset="-120"/>
-                <a:ea typeface="微軟正黑體" panose="020B0604030504040204" pitchFamily="34" charset="-120"/>
-              </a:rPr>
-              <a:t> </a:t>
-            </a:r>
-            <a:r>
-              <a:rPr lang="zh-TW" altLang="en-US" sz="2400" dirty="0">
-                <a:latin typeface="微軟正黑體" panose="020B0604030504040204" pitchFamily="34" charset="-120"/>
-                <a:ea typeface="微軟正黑體" panose="020B0604030504040204" pitchFamily="34" charset="-120"/>
-              </a:rPr>
-              <a:t>的 </a:t>
-            </a:r>
-            <a:r>
-              <a:rPr lang="en-US" altLang="zh-TW" sz="2400" dirty="0">
-                <a:latin typeface="Consolas" panose="020B0609020204030204" pitchFamily="49" charset="0"/>
-                <a:ea typeface="微軟正黑體" panose="020B0604030504040204" pitchFamily="34" charset="-120"/>
-              </a:rPr>
-              <a:t>object</a:t>
-            </a:r>
-          </a:p>
-          <a:p>
-            <a:pPr marL="285750" indent="-285750">
-              <a:lnSpc>
-                <a:spcPct val="150000"/>
-              </a:lnSpc>
-              <a:buFont typeface="Arial" panose="020B0604020202020204" pitchFamily="34" charset="0"/>
-              <a:buChar char="•"/>
-            </a:pPr>
-            <a:r>
-              <a:rPr lang="zh-TW" altLang="en-US" sz="2400" dirty="0">
-                <a:latin typeface="微軟正黑體" panose="020B0604030504040204" pitchFamily="34" charset="-120"/>
-                <a:ea typeface="微軟正黑體" panose="020B0604030504040204" pitchFamily="34" charset="-120"/>
-              </a:rPr>
-              <a:t>透過 </a:t>
-            </a:r>
-            <a:r>
-              <a:rPr lang="en-US" altLang="zh-TW" sz="2400" dirty="0">
-                <a:latin typeface="Consolas" panose="020B0609020204030204" pitchFamily="49" charset="0"/>
-                <a:ea typeface="微軟正黑體" panose="020B0604030504040204" pitchFamily="34" charset="-120"/>
-              </a:rPr>
-              <a:t>id()</a:t>
-            </a:r>
-            <a:r>
-              <a:rPr lang="en-US" altLang="zh-TW" sz="2400" dirty="0">
-                <a:latin typeface="微軟正黑體" panose="020B0604030504040204" pitchFamily="34" charset="-120"/>
-                <a:ea typeface="微軟正黑體" panose="020B0604030504040204" pitchFamily="34" charset="-120"/>
-              </a:rPr>
-              <a:t> </a:t>
-            </a:r>
-            <a:r>
-              <a:rPr lang="zh-TW" altLang="en-US" sz="2400" dirty="0">
-                <a:latin typeface="微軟正黑體" panose="020B0604030504040204" pitchFamily="34" charset="-120"/>
-                <a:ea typeface="微軟正黑體" panose="020B0604030504040204" pitchFamily="34" charset="-120"/>
-              </a:rPr>
-              <a:t>，我們可以確認 </a:t>
-            </a:r>
-            <a:r>
-              <a:rPr lang="en-US" altLang="zh-TW" sz="2400" dirty="0">
-                <a:latin typeface="微軟正黑體" panose="020B0604030504040204" pitchFamily="34" charset="-120"/>
-                <a:ea typeface="微軟正黑體" panose="020B0604030504040204" pitchFamily="34" charset="-120"/>
-              </a:rPr>
-              <a:t>s </a:t>
+              <a:t>self </a:t>
             </a:r>
             <a:r>
               <a:rPr lang="zh-TW" altLang="en-US" sz="2400" dirty="0">
@@ -8828,6 +8794,18 @@
               <a:t>def </a:t>
             </a:r>
             <a:r>
+              <a:rPr lang="en-US" altLang="zh-TW" sz="2000" dirty="0" err="1">
+                <a:solidFill>
+                  <a:schemeClr val="accent6">
+                    <a:lumMod val="50000"/>
+                  </a:schemeClr>
+                </a:solidFill>
+                <a:latin typeface="Consolas" panose="020B0609020204030204" pitchFamily="49" charset="0"/>
+                <a:ea typeface="微軟正黑體" panose="020B0604030504040204" pitchFamily="34" charset="-120"/>
+              </a:rPr>
+              <a:t>print</a:t>
+            </a:r>
+            <a:r>
               <a:rPr lang="en-US" altLang="zh-TW" sz="2000" b="0" dirty="0" err="1">
                 <a:solidFill>
                   <a:schemeClr val="accent6">
@@ -8838,7 +8816,7 @@
                 <a:latin typeface="Consolas" panose="020B0609020204030204" pitchFamily="49" charset="0"/>
                 <a:ea typeface="微軟正黑體" panose="020B0604030504040204" pitchFamily="34" charset="-120"/>
               </a:rPr>
-              <a:t>modify_price</a:t>
+              <a:t>_price</a:t>
             </a:r>
             <a:r>
               <a:rPr lang="en-US" altLang="zh-TW" sz="2000" b="0" dirty="0">
@@ -8851,7 +8829,7 @@
                 <a:latin typeface="Consolas" panose="020B0609020204030204" pitchFamily="49" charset="0"/>
                 <a:ea typeface="微軟正黑體" panose="020B0604030504040204" pitchFamily="34" charset="-120"/>
               </a:rPr>
-              <a:t>(self, factor):</a:t>
+              <a:t>(self):</a:t>
             </a:r>
           </a:p>
           <a:p>
@@ -14040,8 +14018,8 @@
         </p:nvSpPr>
         <p:spPr>
           <a:xfrm>
-            <a:off x="1244989" y="1867297"/>
-            <a:ext cx="10144068" cy="1015663"/>
+            <a:off x="1244989" y="1617915"/>
+            <a:ext cx="10144068" cy="1693220"/>
           </a:xfrm>
           <a:prstGeom prst="rect">
             <a:avLst/>
@@ -14106,6 +14084,9 @@
           </a:p>
           <a:p>
             <a:pPr marL="285750" indent="-285750">
+              <a:lnSpc>
+                <a:spcPct val="150000"/>
+              </a:lnSpc>
               <a:buFont typeface="Arial" panose="020B0604020202020204" pitchFamily="34" charset="0"/>
               <a:buChar char="•"/>
             </a:pPr>
@@ -14137,6 +14118,31 @@
               </a:rPr>
               <a:t>取值和更改</a:t>
             </a:r>
+            <a:endParaRPr lang="en-US" altLang="zh-TW" sz="2400" dirty="0">
+              <a:latin typeface="Consolas" panose="020B0609020204030204" pitchFamily="49" charset="0"/>
+              <a:ea typeface="微軟正黑體" panose="020B0604030504040204" pitchFamily="34" charset="-120"/>
+            </a:endParaRPr>
+          </a:p>
+          <a:p>
+            <a:pPr marL="285750" indent="-285750">
+              <a:lnSpc>
+                <a:spcPct val="150000"/>
+              </a:lnSpc>
+              <a:buFont typeface="Arial" panose="020B0604020202020204" pitchFamily="34" charset="0"/>
+              <a:buChar char="•"/>
+            </a:pPr>
+            <a:r>
+              <a:rPr lang="zh-TW" altLang="en-US" sz="2400" dirty="0">
+                <a:latin typeface="Consolas" panose="020B0609020204030204" pitchFamily="49" charset="0"/>
+                <a:ea typeface="微軟正黑體" panose="020B0604030504040204" pitchFamily="34" charset="-120"/>
+                <a:hlinkClick r:id="rId2"/>
+              </a:rPr>
+              <a:t>為什麼要封裝？</a:t>
+            </a:r>
+            <a:endParaRPr lang="zh-TW" altLang="en-US" sz="2400" dirty="0">
+              <a:latin typeface="Consolas" panose="020B0609020204030204" pitchFamily="49" charset="0"/>
+              <a:ea typeface="微軟正黑體" panose="020B0604030504040204" pitchFamily="34" charset="-120"/>
+            </a:endParaRPr>
           </a:p>
         </p:txBody>
       </p:sp>
@@ -14154,7 +14160,7 @@
         </p:nvSpPr>
         <p:spPr>
           <a:xfrm>
-            <a:off x="1283273" y="3105416"/>
+            <a:off x="1283273" y="3429000"/>
             <a:ext cx="9625453" cy="3170099"/>
           </a:xfrm>
           <a:prstGeom prst="rect">
@@ -18267,7 +18273,7 @@
         <p:spPr>
           <a:xfrm>
             <a:off x="1015473" y="3557100"/>
-            <a:ext cx="10422739" cy="461665"/>
+            <a:ext cx="10422739" cy="830997"/>
           </a:xfrm>
           <a:prstGeom prst="rect">
             <a:avLst/>
@@ -18325,6 +18331,34 @@
                 <a:ea typeface="微軟正黑體" panose="020B0604030504040204" pitchFamily="34" charset="-120"/>
               </a:rPr>
               <a:t>instance</a:t>
+            </a:r>
+            <a:r>
+              <a:rPr lang="zh-TW" altLang="en-US" sz="2400" dirty="0">
+                <a:latin typeface="Consolas" panose="020B0609020204030204" pitchFamily="49" charset="0"/>
+                <a:ea typeface="微軟正黑體" panose="020B0604030504040204" pitchFamily="34" charset="-120"/>
+              </a:rPr>
+              <a:t> </a:t>
+            </a:r>
+            <a:r>
+              <a:rPr lang="en-US" altLang="zh-TW" sz="2400" dirty="0">
+                <a:latin typeface="Consolas" panose="020B0609020204030204" pitchFamily="49" charset="0"/>
+                <a:ea typeface="微軟正黑體" panose="020B0604030504040204" pitchFamily="34" charset="-120"/>
+              </a:rPr>
+              <a:t>(</a:t>
+            </a:r>
+            <a:r>
+              <a:rPr lang="zh-TW" altLang="en-US" sz="2400" dirty="0">
+                <a:latin typeface="Consolas" panose="020B0609020204030204" pitchFamily="49" charset="0"/>
+                <a:ea typeface="微軟正黑體" panose="020B0604030504040204" pitchFamily="34" charset="-120"/>
+              </a:rPr>
+              <a:t>實體</a:t>
+            </a:r>
+            <a:r>
+              <a:rPr lang="en-US" altLang="zh-TW" sz="2400" dirty="0">
+                <a:latin typeface="Consolas" panose="020B0609020204030204" pitchFamily="49" charset="0"/>
+                <a:ea typeface="微軟正黑體" panose="020B0604030504040204" pitchFamily="34" charset="-120"/>
+              </a:rPr>
+              <a:t>)</a:t>
             </a:r>
           </a:p>
         </p:txBody>
@@ -19414,7 +19448,7 @@
                 <a:effectLst/>
                 <a:latin typeface="Consolas" panose="020B0609020204030204" pitchFamily="49" charset="0"/>
               </a:rPr>
-              <a:t>class Food():    	</a:t>
+              <a:t>class Food:    		</a:t>
             </a:r>
             <a:r>
               <a:rPr lang="en-US" altLang="zh-TW" sz="2400" b="0" dirty="0">
@@ -19440,7 +19474,7 @@
                 <a:latin typeface="微軟正黑體" panose="020B0604030504040204" pitchFamily="34" charset="-120"/>
                 <a:ea typeface="微軟正黑體" panose="020B0604030504040204" pitchFamily="34" charset="-120"/>
               </a:rPr>
-              <a:t> 宣告 要加括號</a:t>
+              <a:t> 宣告</a:t>
             </a:r>
           </a:p>
           <a:p>
@@ -21337,7 +21371,7 @@
         <p:spPr>
           <a:xfrm>
             <a:off x="939250" y="4210986"/>
-            <a:ext cx="7356021" cy="461665"/>
+            <a:ext cx="10055717" cy="461665"/>
           </a:xfrm>
           <a:prstGeom prst="rect">
             <a:avLst/>
@@ -21359,7 +21393,7 @@
                 <a:latin typeface="微軟正黑體" panose="020B0604030504040204" pitchFamily="34" charset="-120"/>
                 <a:ea typeface="微軟正黑體" panose="020B0604030504040204" pitchFamily="34" charset="-120"/>
               </a:rPr>
-              <a:t>參數的名字不一定要叫 </a:t>
+              <a:t>參數的名字其實不一定要叫 </a:t>
             </a:r>
             <a:r>
               <a:rPr lang="en-US" altLang="zh-TW" sz="2400" dirty="0">
@@ -21369,18 +21403,18 @@
               <a:t>self</a:t>
             </a:r>
             <a:r>
+              <a:rPr lang="zh-TW" altLang="en-US" sz="2400" dirty="0">
+                <a:latin typeface="Consolas" panose="020B0609020204030204" pitchFamily="49" charset="0"/>
+                <a:ea typeface="微軟正黑體" panose="020B0604030504040204" pitchFamily="34" charset="-120"/>
+              </a:rPr>
+              <a:t>，但大家習慣將他命名為 </a:t>
+            </a:r>
+            <a:r>
               <a:rPr lang="en-US" altLang="zh-TW" sz="2400" dirty="0">
-                <a:latin typeface="微軟正黑體" panose="020B0604030504040204" pitchFamily="34" charset="-120"/>
-                <a:ea typeface="微軟正黑體" panose="020B0604030504040204" pitchFamily="34" charset="-120"/>
-              </a:rPr>
-              <a:t> </a:t>
-            </a:r>
-            <a:r>
-              <a:rPr lang="zh-TW" altLang="en-US" sz="2400" dirty="0">
-                <a:latin typeface="微軟正黑體" panose="020B0604030504040204" pitchFamily="34" charset="-120"/>
-                <a:ea typeface="微軟正黑體" panose="020B0604030504040204" pitchFamily="34" charset="-120"/>
-              </a:rPr>
-              <a:t>， 可以隨便你取</a:t>
+                <a:latin typeface="Consolas" panose="020B0609020204030204" pitchFamily="49" charset="0"/>
+                <a:ea typeface="微軟正黑體" panose="020B0604030504040204" pitchFamily="34" charset="-120"/>
+              </a:rPr>
+              <a:t>self</a:t>
             </a:r>
             <a:endParaRPr lang="zh-TW" altLang="en-US" sz="2400" dirty="0"/>
           </a:p>

--- a/slides/class.pptx
+++ b/slides/class.pptx
@@ -8794,18 +8794,6 @@
               <a:t>def </a:t>
             </a:r>
             <a:r>
-              <a:rPr lang="en-US" altLang="zh-TW" sz="2000" dirty="0" err="1">
-                <a:solidFill>
-                  <a:schemeClr val="accent6">
-                    <a:lumMod val="50000"/>
-                  </a:schemeClr>
-                </a:solidFill>
-                <a:latin typeface="Consolas" panose="020B0609020204030204" pitchFamily="49" charset="0"/>
-                <a:ea typeface="微軟正黑體" panose="020B0604030504040204" pitchFamily="34" charset="-120"/>
-              </a:rPr>
-              <a:t>print</a:t>
-            </a:r>
-            <a:r>
               <a:rPr lang="en-US" altLang="zh-TW" sz="2000" b="0" dirty="0" err="1">
                 <a:solidFill>
                   <a:schemeClr val="accent6">
@@ -8816,7 +8804,7 @@
                 <a:latin typeface="Consolas" panose="020B0609020204030204" pitchFamily="49" charset="0"/>
                 <a:ea typeface="微軟正黑體" panose="020B0604030504040204" pitchFamily="34" charset="-120"/>
               </a:rPr>
-              <a:t>_price</a:t>
+              <a:t>modify_price</a:t>
             </a:r>
             <a:r>
               <a:rPr lang="en-US" altLang="zh-TW" sz="2000" b="0" dirty="0">
@@ -8829,7 +8817,7 @@
                 <a:latin typeface="Consolas" panose="020B0609020204030204" pitchFamily="49" charset="0"/>
                 <a:ea typeface="微軟正黑體" panose="020B0604030504040204" pitchFamily="34" charset="-120"/>
               </a:rPr>
-              <a:t>(self):</a:t>
+              <a:t>(self, factor):</a:t>
             </a:r>
           </a:p>
           <a:p>
@@ -10039,18 +10027,18 @@
               <a:t>( </a:t>
             </a:r>
             <a:r>
-              <a:rPr lang="en-US" altLang="zh-TW" sz="2400" dirty="0">
-                <a:latin typeface="Consolas" panose="020B0609020204030204" pitchFamily="49" charset="0"/>
-                <a:ea typeface="微軟正黑體" panose="020B0604030504040204" pitchFamily="34" charset="-120"/>
-              </a:rPr>
-              <a:t>self</a:t>
+              <a:rPr lang="en-US" altLang="zh-TW" sz="2400" dirty="0" err="1">
+                <a:latin typeface="Consolas" panose="020B0609020204030204" pitchFamily="49" charset="0"/>
+                <a:ea typeface="微軟正黑體" panose="020B0604030504040204" pitchFamily="34" charset="-120"/>
+              </a:rPr>
+              <a:t>cls</a:t>
             </a:r>
             <a:r>
               <a:rPr lang="en-US" altLang="zh-TW" sz="2400" dirty="0">
                 <a:latin typeface="微軟正黑體" panose="020B0604030504040204" pitchFamily="34" charset="-120"/>
                 <a:ea typeface="微軟正黑體" panose="020B0604030504040204" pitchFamily="34" charset="-120"/>
               </a:rPr>
-              <a:t> )</a:t>
+              <a:t>)</a:t>
             </a:r>
             <a:endParaRPr lang="zh-TW" altLang="en-US" sz="2400" dirty="0">
               <a:latin typeface="微軟正黑體" panose="020B0604030504040204" pitchFamily="34" charset="-120"/>
@@ -19173,6 +19161,84 @@
   <p:clrMapOvr>
     <a:masterClrMapping/>
   </p:clrMapOvr>
+  <p:timing>
+    <p:tnLst>
+      <p:par>
+        <p:cTn id="1" dur="indefinite" restart="never" nodeType="tmRoot">
+          <p:childTnLst>
+            <p:seq concurrent="1" nextAc="seek">
+              <p:cTn id="2" dur="indefinite" nodeType="mainSeq">
+                <p:childTnLst>
+                  <p:par>
+                    <p:cTn id="3" fill="hold">
+                      <p:stCondLst>
+                        <p:cond delay="indefinite"/>
+                      </p:stCondLst>
+                      <p:childTnLst>
+                        <p:par>
+                          <p:cTn id="4" fill="hold">
+                            <p:stCondLst>
+                              <p:cond delay="0"/>
+                            </p:stCondLst>
+                            <p:childTnLst>
+                              <p:par>
+                                <p:cTn id="5" presetID="1" presetClass="entr" presetSubtype="0" fill="hold" grpId="0" nodeType="clickEffect">
+                                  <p:stCondLst>
+                                    <p:cond delay="0"/>
+                                  </p:stCondLst>
+                                  <p:childTnLst>
+                                    <p:set>
+                                      <p:cBhvr>
+                                        <p:cTn id="6" dur="1" fill="hold">
+                                          <p:stCondLst>
+                                            <p:cond delay="0"/>
+                                          </p:stCondLst>
+                                        </p:cTn>
+                                        <p:tgtEl>
+                                          <p:spTgt spid="8"/>
+                                        </p:tgtEl>
+                                        <p:attrNameLst>
+                                          <p:attrName>style.visibility</p:attrName>
+                                        </p:attrNameLst>
+                                      </p:cBhvr>
+                                      <p:to>
+                                        <p:strVal val="visible"/>
+                                      </p:to>
+                                    </p:set>
+                                  </p:childTnLst>
+                                </p:cTn>
+                              </p:par>
+                            </p:childTnLst>
+                          </p:cTn>
+                        </p:par>
+                      </p:childTnLst>
+                    </p:cTn>
+                  </p:par>
+                </p:childTnLst>
+              </p:cTn>
+              <p:prevCondLst>
+                <p:cond evt="onPrev" delay="0">
+                  <p:tgtEl>
+                    <p:sldTgt/>
+                  </p:tgtEl>
+                </p:cond>
+              </p:prevCondLst>
+              <p:nextCondLst>
+                <p:cond evt="onNext" delay="0">
+                  <p:tgtEl>
+                    <p:sldTgt/>
+                  </p:tgtEl>
+                </p:cond>
+              </p:nextCondLst>
+            </p:seq>
+          </p:childTnLst>
+        </p:cTn>
+      </p:par>
+    </p:tnLst>
+    <p:bldLst>
+      <p:bldP spid="8" grpId="0"/>
+    </p:bldLst>
+  </p:timing>
 </p:sld>
 </file>
 
